--- a/Lecture 7 - Evaluation.pptx
+++ b/Lecture 7 - Evaluation.pptx
@@ -251,7 +251,7 @@
           <a:p>
             <a:fld id="{3FE918EF-26F2-F641-9B39-65E2E78847ED}" type="datetimeFigureOut">
               <a:rPr lang="en-US" smtClean="0"/>
-              <a:t>10/25/2018</a:t>
+              <a:t>10/26/2018</a:t>
             </a:fld>
             <a:endParaRPr lang="en-US"/>
           </a:p>
@@ -1546,7 +1546,7 @@
             <a:fld id="{23A271A1-F6D6-438B-A432-4747EE7ECD40}" type="datetimeFigureOut">
               <a:rPr lang="en-US" smtClean="0"/>
               <a:pPr algn="ctr" eaLnBrk="1" latinLnBrk="0" hangingPunct="1"/>
-              <a:t>10/25/2018</a:t>
+              <a:t>10/26/2018</a:t>
             </a:fld>
             <a:endParaRPr lang="en-US" sz="2000" dirty="0">
               <a:solidFill>
@@ -1753,7 +1753,7 @@
             <a:fld id="{23A271A1-F6D6-438B-A432-4747EE7ECD40}" type="datetimeFigureOut">
               <a:rPr lang="en-US" smtClean="0"/>
               <a:pPr eaLnBrk="1" latinLnBrk="0" hangingPunct="1"/>
-              <a:t>10/25/2018</a:t>
+              <a:t>10/26/2018</a:t>
             </a:fld>
             <a:endParaRPr lang="en-US"/>
           </a:p>
@@ -1941,7 +1941,7 @@
             <a:fld id="{23A271A1-F6D6-438B-A432-4747EE7ECD40}" type="datetimeFigureOut">
               <a:rPr lang="en-US" smtClean="0"/>
               <a:pPr eaLnBrk="1" latinLnBrk="0" hangingPunct="1"/>
-              <a:t>10/25/2018</a:t>
+              <a:t>10/26/2018</a:t>
             </a:fld>
             <a:endParaRPr lang="en-US" dirty="0"/>
           </a:p>
@@ -2400,7 +2400,7 @@
             <a:fld id="{23A271A1-F6D6-438B-A432-4747EE7ECD40}" type="datetimeFigureOut">
               <a:rPr lang="en-US" smtClean="0"/>
               <a:pPr eaLnBrk="1" latinLnBrk="0" hangingPunct="1"/>
-              <a:t>10/25/2018</a:t>
+              <a:t>10/26/2018</a:t>
             </a:fld>
             <a:endParaRPr lang="en-US" dirty="0"/>
           </a:p>
@@ -2823,7 +2823,7 @@
             <a:fld id="{23A271A1-F6D6-438B-A432-4747EE7ECD40}" type="datetimeFigureOut">
               <a:rPr lang="en-US" smtClean="0"/>
               <a:pPr eaLnBrk="1" latinLnBrk="0" hangingPunct="1"/>
-              <a:t>10/25/2018</a:t>
+              <a:t>10/26/2018</a:t>
             </a:fld>
             <a:endParaRPr lang="en-US"/>
           </a:p>
@@ -3073,7 +3073,7 @@
             <a:fld id="{23A271A1-F6D6-438B-A432-4747EE7ECD40}" type="datetimeFigureOut">
               <a:rPr lang="en-US" smtClean="0"/>
               <a:pPr eaLnBrk="1" latinLnBrk="0" hangingPunct="1"/>
-              <a:t>10/25/2018</a:t>
+              <a:t>10/26/2018</a:t>
             </a:fld>
             <a:endParaRPr lang="en-US"/>
           </a:p>
@@ -3313,7 +3313,7 @@
             <a:fld id="{23A271A1-F6D6-438B-A432-4747EE7ECD40}" type="datetimeFigureOut">
               <a:rPr lang="en-US" smtClean="0"/>
               <a:pPr eaLnBrk="1" latinLnBrk="0" hangingPunct="1"/>
-              <a:t>10/25/2018</a:t>
+              <a:t>10/26/2018</a:t>
             </a:fld>
             <a:endParaRPr lang="en-US"/>
           </a:p>
@@ -3512,7 +3512,7 @@
             <a:fld id="{23A271A1-F6D6-438B-A432-4747EE7ECD40}" type="datetimeFigureOut">
               <a:rPr lang="en-US" smtClean="0"/>
               <a:pPr eaLnBrk="1" latinLnBrk="0" hangingPunct="1"/>
-              <a:t>10/25/2018</a:t>
+              <a:t>10/26/2018</a:t>
             </a:fld>
             <a:endParaRPr lang="en-US"/>
           </a:p>
@@ -3617,7 +3617,7 @@
             <a:fld id="{23A271A1-F6D6-438B-A432-4747EE7ECD40}" type="datetimeFigureOut">
               <a:rPr lang="en-US" smtClean="0"/>
               <a:pPr eaLnBrk="1" latinLnBrk="0" hangingPunct="1"/>
-              <a:t>10/25/2018</a:t>
+              <a:t>10/26/2018</a:t>
             </a:fld>
             <a:endParaRPr lang="en-US"/>
           </a:p>
@@ -3760,7 +3760,7 @@
             <a:fld id="{23A271A1-F6D6-438B-A432-4747EE7ECD40}" type="datetimeFigureOut">
               <a:rPr lang="en-US" smtClean="0"/>
               <a:pPr eaLnBrk="1" latinLnBrk="0" hangingPunct="1"/>
-              <a:t>10/25/2018</a:t>
+              <a:t>10/26/2018</a:t>
             </a:fld>
             <a:endParaRPr lang="en-US"/>
           </a:p>
@@ -4285,7 +4285,7 @@
             <a:fld id="{23A271A1-F6D6-438B-A432-4747EE7ECD40}" type="datetimeFigureOut">
               <a:rPr lang="en-US" smtClean="0"/>
               <a:pPr eaLnBrk="1" latinLnBrk="0" hangingPunct="1"/>
-              <a:t>10/25/2018</a:t>
+              <a:t>10/26/2018</a:t>
             </a:fld>
             <a:endParaRPr lang="en-US"/>
           </a:p>
@@ -4550,7 +4550,7 @@
             <a:fld id="{23A271A1-F6D6-438B-A432-4747EE7ECD40}" type="datetimeFigureOut">
               <a:rPr lang="en-US" smtClean="0"/>
               <a:pPr eaLnBrk="1" latinLnBrk="0" hangingPunct="1"/>
-              <a:t>10/25/2018</a:t>
+              <a:t>10/26/2018</a:t>
             </a:fld>
             <a:endParaRPr lang="en-US" sz="1400" dirty="0">
               <a:solidFill>
@@ -5641,10 +5641,6 @@
               </a:rPr>
               <a:t>Evaluation</a:t>
             </a:r>
-            <a:endParaRPr lang="en-US" sz="5400" spc="-5" dirty="0" smtClean="0">
-              <a:latin typeface="Times New Roman"/>
-              <a:cs typeface="Times New Roman"/>
-            </a:endParaRPr>
           </a:p>
           <a:p>
             <a:pPr algn="ctr">
@@ -32518,7 +32514,7 @@
                     <a:p>
                       <a:pPr algn="ctr" fontAlgn="b"/>
                       <a:r>
-                        <a:rPr lang="en-US" sz="1800" b="0" i="0" u="none" strike="noStrike">
+                        <a:rPr lang="en-US" sz="1800" b="0" i="0" u="none" strike="noStrike" dirty="0">
                           <a:solidFill>
                             <a:srgbClr val="000000"/>
                           </a:solidFill>
@@ -32580,7 +32576,7 @@
                     <a:p>
                       <a:pPr algn="ctr" fontAlgn="b"/>
                       <a:r>
-                        <a:rPr lang="en-US" sz="1800" b="0" i="0" u="none" strike="noStrike">
+                        <a:rPr lang="en-US" sz="1800" b="0" i="0" u="none" strike="noStrike" dirty="0">
                           <a:solidFill>
                             <a:srgbClr val="000000"/>
                           </a:solidFill>
@@ -32642,7 +32638,7 @@
                     <a:p>
                       <a:pPr algn="ctr" fontAlgn="b"/>
                       <a:r>
-                        <a:rPr lang="en-US" sz="1800" b="0" i="0" u="none" strike="noStrike">
+                        <a:rPr lang="en-US" sz="1800" b="0" i="0" u="none" strike="noStrike" dirty="0">
                           <a:solidFill>
                             <a:srgbClr val="000000"/>
                           </a:solidFill>
@@ -32704,7 +32700,7 @@
                     <a:p>
                       <a:pPr algn="ctr" fontAlgn="b"/>
                       <a:r>
-                        <a:rPr lang="en-US" sz="1800" b="0" i="0" u="none" strike="noStrike">
+                        <a:rPr lang="en-US" sz="1800" b="0" i="0" u="none" strike="noStrike" dirty="0">
                           <a:solidFill>
                             <a:srgbClr val="000000"/>
                           </a:solidFill>
@@ -32766,7 +32762,7 @@
                     <a:p>
                       <a:pPr algn="ctr" fontAlgn="b"/>
                       <a:r>
-                        <a:rPr lang="en-US" sz="1800" b="0" i="0" u="none" strike="noStrike">
+                        <a:rPr lang="en-US" sz="1800" b="0" i="0" u="none" strike="noStrike" dirty="0">
                           <a:solidFill>
                             <a:srgbClr val="000000"/>
                           </a:solidFill>
@@ -32828,7 +32824,7 @@
                     <a:p>
                       <a:pPr algn="ctr" fontAlgn="b"/>
                       <a:r>
-                        <a:rPr lang="en-US" sz="1800" b="0" i="0" u="none" strike="noStrike">
+                        <a:rPr lang="en-US" sz="1800" b="0" i="0" u="none" strike="noStrike" dirty="0">
                           <a:solidFill>
                             <a:srgbClr val="000000"/>
                           </a:solidFill>
@@ -32890,7 +32886,7 @@
                     <a:p>
                       <a:pPr algn="ctr" fontAlgn="b"/>
                       <a:r>
-                        <a:rPr lang="en-US" sz="1800" b="0" i="0" u="none" strike="noStrike">
+                        <a:rPr lang="en-US" sz="1800" b="0" i="0" u="none" strike="noStrike" dirty="0">
                           <a:solidFill>
                             <a:srgbClr val="000000"/>
                           </a:solidFill>
@@ -32952,7 +32948,7 @@
                     <a:p>
                       <a:pPr algn="ctr" fontAlgn="b"/>
                       <a:r>
-                        <a:rPr lang="en-US" sz="1800" b="0" i="0" u="none" strike="noStrike">
+                        <a:rPr lang="en-US" sz="1800" b="0" i="0" u="none" strike="noStrike" dirty="0">
                           <a:solidFill>
                             <a:srgbClr val="000000"/>
                           </a:solidFill>
@@ -33014,7 +33010,7 @@
                     <a:p>
                       <a:pPr algn="ctr" fontAlgn="b"/>
                       <a:r>
-                        <a:rPr lang="en-US" sz="1800" b="0" i="0" u="none" strike="noStrike">
+                        <a:rPr lang="en-US" sz="1800" b="0" i="0" u="none" strike="noStrike" dirty="0">
                           <a:solidFill>
                             <a:srgbClr val="000000"/>
                           </a:solidFill>
@@ -37557,7 +37553,7 @@
         </p:nvSpPr>
         <p:spPr>
           <a:xfrm>
-            <a:off x="5662789" y="4352019"/>
+            <a:off x="5211603" y="4429050"/>
             <a:ext cx="3343283" cy="461665"/>
           </a:xfrm>
           <a:prstGeom prst="rect">
